--- a/December report/Report slides.pptx
+++ b/December report/Report slides.pptx
@@ -6,6 +6,11 @@
   </p:sldMasterIdLst>
   <p:sldIdLst>
     <p:sldId id="256" r:id="rId2"/>
+    <p:sldId id="257" r:id="rId3"/>
+    <p:sldId id="262" r:id="rId4"/>
+    <p:sldId id="260" r:id="rId5"/>
+    <p:sldId id="261" r:id="rId6"/>
+    <p:sldId id="264" r:id="rId7"/>
   </p:sldIdLst>
   <p:sldSz cx="12192000" cy="6858000"/>
   <p:notesSz cx="6858000" cy="9144000"/>
@@ -104,6 +109,11 @@
       </a:defRPr>
     </a:lvl9pPr>
   </p:defaultTextStyle>
+  <p:extLst>
+    <p:ext uri="{EFAFB233-063F-42B5-8137-9DF3F51BA10A}">
+      <p15:sldGuideLst xmlns:p15="http://schemas.microsoft.com/office/powerpoint/2012/main"/>
+    </p:ext>
+  </p:extLst>
 </p:presentation>
 </file>
 
@@ -254,7 +264,7 @@
           <a:p>
             <a:fld id="{B75482CA-4D31-0348-948E-1AD38C920891}" type="datetimeFigureOut">
               <a:rPr lang="ru-RU" smtClean="0"/>
-              <a:t>04.12.2021</a:t>
+              <a:t>05.12.2021</a:t>
             </a:fld>
             <a:endParaRPr lang="ru-RU"/>
           </a:p>
@@ -452,7 +462,7 @@
           <a:p>
             <a:fld id="{B75482CA-4D31-0348-948E-1AD38C920891}" type="datetimeFigureOut">
               <a:rPr lang="ru-RU" smtClean="0"/>
-              <a:t>04.12.2021</a:t>
+              <a:t>05.12.2021</a:t>
             </a:fld>
             <a:endParaRPr lang="ru-RU"/>
           </a:p>
@@ -660,7 +670,7 @@
           <a:p>
             <a:fld id="{B75482CA-4D31-0348-948E-1AD38C920891}" type="datetimeFigureOut">
               <a:rPr lang="ru-RU" smtClean="0"/>
-              <a:t>04.12.2021</a:t>
+              <a:t>05.12.2021</a:t>
             </a:fld>
             <a:endParaRPr lang="ru-RU"/>
           </a:p>
@@ -858,7 +868,7 @@
           <a:p>
             <a:fld id="{B75482CA-4D31-0348-948E-1AD38C920891}" type="datetimeFigureOut">
               <a:rPr lang="ru-RU" smtClean="0"/>
-              <a:t>04.12.2021</a:t>
+              <a:t>05.12.2021</a:t>
             </a:fld>
             <a:endParaRPr lang="ru-RU"/>
           </a:p>
@@ -1133,7 +1143,7 @@
           <a:p>
             <a:fld id="{B75482CA-4D31-0348-948E-1AD38C920891}" type="datetimeFigureOut">
               <a:rPr lang="ru-RU" smtClean="0"/>
-              <a:t>04.12.2021</a:t>
+              <a:t>05.12.2021</a:t>
             </a:fld>
             <a:endParaRPr lang="ru-RU"/>
           </a:p>
@@ -1398,7 +1408,7 @@
           <a:p>
             <a:fld id="{B75482CA-4D31-0348-948E-1AD38C920891}" type="datetimeFigureOut">
               <a:rPr lang="ru-RU" smtClean="0"/>
-              <a:t>04.12.2021</a:t>
+              <a:t>05.12.2021</a:t>
             </a:fld>
             <a:endParaRPr lang="ru-RU"/>
           </a:p>
@@ -1810,7 +1820,7 @@
           <a:p>
             <a:fld id="{B75482CA-4D31-0348-948E-1AD38C920891}" type="datetimeFigureOut">
               <a:rPr lang="ru-RU" smtClean="0"/>
-              <a:t>04.12.2021</a:t>
+              <a:t>05.12.2021</a:t>
             </a:fld>
             <a:endParaRPr lang="ru-RU"/>
           </a:p>
@@ -1951,7 +1961,7 @@
           <a:p>
             <a:fld id="{B75482CA-4D31-0348-948E-1AD38C920891}" type="datetimeFigureOut">
               <a:rPr lang="ru-RU" smtClean="0"/>
-              <a:t>04.12.2021</a:t>
+              <a:t>05.12.2021</a:t>
             </a:fld>
             <a:endParaRPr lang="ru-RU"/>
           </a:p>
@@ -2064,7 +2074,7 @@
           <a:p>
             <a:fld id="{B75482CA-4D31-0348-948E-1AD38C920891}" type="datetimeFigureOut">
               <a:rPr lang="ru-RU" smtClean="0"/>
-              <a:t>04.12.2021</a:t>
+              <a:t>05.12.2021</a:t>
             </a:fld>
             <a:endParaRPr lang="ru-RU"/>
           </a:p>
@@ -2375,7 +2385,7 @@
           <a:p>
             <a:fld id="{B75482CA-4D31-0348-948E-1AD38C920891}" type="datetimeFigureOut">
               <a:rPr lang="ru-RU" smtClean="0"/>
-              <a:t>04.12.2021</a:t>
+              <a:t>05.12.2021</a:t>
             </a:fld>
             <a:endParaRPr lang="ru-RU"/>
           </a:p>
@@ -2663,7 +2673,7 @@
           <a:p>
             <a:fld id="{B75482CA-4D31-0348-948E-1AD38C920891}" type="datetimeFigureOut">
               <a:rPr lang="ru-RU" smtClean="0"/>
-              <a:t>04.12.2021</a:t>
+              <a:t>05.12.2021</a:t>
             </a:fld>
             <a:endParaRPr lang="ru-RU"/>
           </a:p>
@@ -2904,7 +2914,7 @@
           <a:p>
             <a:fld id="{B75482CA-4D31-0348-948E-1AD38C920891}" type="datetimeFigureOut">
               <a:rPr lang="ru-RU" smtClean="0"/>
-              <a:t>04.12.2021</a:t>
+              <a:t>05.12.2021</a:t>
             </a:fld>
             <a:endParaRPr lang="ru-RU"/>
           </a:p>
@@ -3337,12 +3347,33 @@
             <p:ph type="ctrTitle"/>
           </p:nvPr>
         </p:nvSpPr>
-        <p:spPr/>
-        <p:txBody>
-          <a:bodyPr/>
-          <a:lstStyle/>
-          <a:p>
-            <a:endParaRPr lang="ru-RU"/>
+        <p:spPr>
+          <a:xfrm>
+            <a:off x="1524000" y="2235200"/>
+            <a:ext cx="9144000" cy="2387600"/>
+          </a:xfrm>
+        </p:spPr>
+        <p:txBody>
+          <a:bodyPr>
+            <a:noAutofit/>
+          </a:bodyPr>
+          <a:lstStyle/>
+          <a:p>
+            <a:r>
+              <a:rPr lang="ru-RU" sz="4000" dirty="0">
+                <a:latin typeface="+mn-lt"/>
+              </a:rPr>
+              <a:t>Разработка алгоритма обработки естественного языка при помощи машинного обучения с использованием нейросетей </a:t>
+            </a:r>
+            <a:r>
+              <a:rPr lang="en-US" sz="4000" dirty="0">
+                <a:latin typeface="+mn-lt"/>
+              </a:rPr>
+              <a:t>BERT</a:t>
+            </a:r>
+            <a:endParaRPr lang="ru-RU" sz="4000" dirty="0">
+              <a:latin typeface="+mn-lt"/>
+            </a:endParaRPr>
           </a:p>
         </p:txBody>
       </p:sp>
@@ -3362,12 +3393,34 @@
             <p:ph type="subTitle" idx="1"/>
           </p:nvPr>
         </p:nvSpPr>
-        <p:spPr/>
-        <p:txBody>
-          <a:bodyPr/>
-          <a:lstStyle/>
-          <a:p>
-            <a:endParaRPr lang="ru-RU"/>
+        <p:spPr>
+          <a:xfrm>
+            <a:off x="593125" y="5364935"/>
+            <a:ext cx="5354594" cy="978200"/>
+          </a:xfrm>
+        </p:spPr>
+        <p:txBody>
+          <a:bodyPr>
+            <a:normAutofit/>
+          </a:bodyPr>
+          <a:lstStyle/>
+          <a:p>
+            <a:pPr algn="l"/>
+            <a:r>
+              <a:rPr lang="ru-RU" dirty="0">
+                <a:latin typeface="+mj-lt"/>
+              </a:rPr>
+              <a:t>Научный руководитель: Н.А. Прокопьев</a:t>
+            </a:r>
+          </a:p>
+          <a:p>
+            <a:pPr algn="l"/>
+            <a:r>
+              <a:rPr lang="ru-RU" dirty="0">
+                <a:latin typeface="+mj-lt"/>
+              </a:rPr>
+              <a:t>Студент: С.С. Саидмуродов, 09-852</a:t>
+            </a:r>
           </a:p>
         </p:txBody>
       </p:sp>
@@ -3375,6 +3428,779 @@
     <p:extLst>
       <p:ext uri="{BB962C8B-B14F-4D97-AF65-F5344CB8AC3E}">
         <p14:creationId xmlns:p14="http://schemas.microsoft.com/office/powerpoint/2010/main" val="3248367227"/>
+      </p:ext>
+    </p:extLst>
+  </p:cSld>
+  <p:clrMapOvr>
+    <a:masterClrMapping/>
+  </p:clrMapOvr>
+</p:sld>
+</file>
+
+<file path=ppt/slides/slide2.xml><?xml version="1.0" encoding="utf-8"?>
+<p:sld xmlns:a="http://schemas.openxmlformats.org/drawingml/2006/main" xmlns:r="http://schemas.openxmlformats.org/officeDocument/2006/relationships" xmlns:p="http://schemas.openxmlformats.org/presentationml/2006/main">
+  <p:cSld>
+    <p:spTree>
+      <p:nvGrpSpPr>
+        <p:cNvPr id="1" name=""/>
+        <p:cNvGrpSpPr/>
+        <p:nvPr/>
+      </p:nvGrpSpPr>
+      <p:grpSpPr>
+        <a:xfrm>
+          <a:off x="0" y="0"/>
+          <a:ext cx="0" cy="0"/>
+          <a:chOff x="0" y="0"/>
+          <a:chExt cx="0" cy="0"/>
+        </a:xfrm>
+      </p:grpSpPr>
+      <p:sp>
+        <p:nvSpPr>
+          <p:cNvPr id="2" name="Заголовок 1">
+            <a:extLst>
+              <a:ext uri="{FF2B5EF4-FFF2-40B4-BE49-F238E27FC236}">
+                <a16:creationId xmlns:a16="http://schemas.microsoft.com/office/drawing/2014/main" id="{ADD5BB13-98CF-4C46-97F3-58472EF71302}"/>
+              </a:ext>
+            </a:extLst>
+          </p:cNvPr>
+          <p:cNvSpPr>
+            <a:spLocks noGrp="1"/>
+          </p:cNvSpPr>
+          <p:nvPr>
+            <p:ph type="title"/>
+          </p:nvPr>
+        </p:nvSpPr>
+        <p:spPr/>
+        <p:txBody>
+          <a:bodyPr/>
+          <a:lstStyle/>
+          <a:p>
+            <a:r>
+              <a:rPr lang="ru-RU" dirty="0">
+                <a:latin typeface="+mn-lt"/>
+              </a:rPr>
+              <a:t>Цели и задачи</a:t>
+            </a:r>
+            <a:r>
+              <a:rPr lang="en-US" dirty="0">
+                <a:latin typeface="+mn-lt"/>
+              </a:rPr>
+              <a:t> </a:t>
+            </a:r>
+            <a:r>
+              <a:rPr lang="ru-RU" dirty="0">
+                <a:latin typeface="+mn-lt"/>
+              </a:rPr>
+              <a:t>ВКР</a:t>
+            </a:r>
+          </a:p>
+        </p:txBody>
+      </p:sp>
+      <p:sp>
+        <p:nvSpPr>
+          <p:cNvPr id="3" name="Объект 2">
+            <a:extLst>
+              <a:ext uri="{FF2B5EF4-FFF2-40B4-BE49-F238E27FC236}">
+                <a16:creationId xmlns:a16="http://schemas.microsoft.com/office/drawing/2014/main" id="{7D357FAB-FF72-054E-B49F-B1AE54B14507}"/>
+              </a:ext>
+            </a:extLst>
+          </p:cNvPr>
+          <p:cNvSpPr>
+            <a:spLocks noGrp="1"/>
+          </p:cNvSpPr>
+          <p:nvPr>
+            <p:ph idx="1"/>
+          </p:nvPr>
+        </p:nvSpPr>
+        <p:spPr/>
+        <p:txBody>
+          <a:bodyPr/>
+          <a:lstStyle/>
+          <a:p>
+            <a:r>
+              <a:rPr lang="ru-RU" dirty="0">
+                <a:latin typeface="+mj-lt"/>
+              </a:rPr>
+              <a:t>Изучение предметной области машинного обучения и нейронных сетей</a:t>
+            </a:r>
+          </a:p>
+          <a:p>
+            <a:r>
+              <a:rPr lang="ru-RU" dirty="0">
+                <a:latin typeface="+mj-lt"/>
+              </a:rPr>
+              <a:t>Анализ существующих подходов к обработке естественного языка</a:t>
+            </a:r>
+          </a:p>
+          <a:p>
+            <a:r>
+              <a:rPr lang="ru-RU" dirty="0">
+                <a:latin typeface="+mj-lt"/>
+              </a:rPr>
+              <a:t>Экспериментальная реализация алгоритма</a:t>
+            </a:r>
+          </a:p>
+          <a:p>
+            <a:r>
+              <a:rPr lang="ru-RU" dirty="0">
+                <a:latin typeface="+mj-lt"/>
+              </a:rPr>
+              <a:t>Разработка модели восстановления пунктуации</a:t>
+            </a:r>
+          </a:p>
+          <a:p>
+            <a:r>
+              <a:rPr lang="ru-RU" dirty="0">
+                <a:latin typeface="+mj-lt"/>
+              </a:rPr>
+              <a:t>Тестирование по результатам обучения модели</a:t>
+            </a:r>
+          </a:p>
+        </p:txBody>
+      </p:sp>
+    </p:spTree>
+    <p:extLst>
+      <p:ext uri="{BB962C8B-B14F-4D97-AF65-F5344CB8AC3E}">
+        <p14:creationId xmlns:p14="http://schemas.microsoft.com/office/powerpoint/2010/main" val="4012227473"/>
+      </p:ext>
+    </p:extLst>
+  </p:cSld>
+  <p:clrMapOvr>
+    <a:masterClrMapping/>
+  </p:clrMapOvr>
+</p:sld>
+</file>
+
+<file path=ppt/slides/slide3.xml><?xml version="1.0" encoding="utf-8"?>
+<p:sld xmlns:a="http://schemas.openxmlformats.org/drawingml/2006/main" xmlns:r="http://schemas.openxmlformats.org/officeDocument/2006/relationships" xmlns:p="http://schemas.openxmlformats.org/presentationml/2006/main">
+  <p:cSld>
+    <p:spTree>
+      <p:nvGrpSpPr>
+        <p:cNvPr id="1" name=""/>
+        <p:cNvGrpSpPr/>
+        <p:nvPr/>
+      </p:nvGrpSpPr>
+      <p:grpSpPr>
+        <a:xfrm>
+          <a:off x="0" y="0"/>
+          <a:ext cx="0" cy="0"/>
+          <a:chOff x="0" y="0"/>
+          <a:chExt cx="0" cy="0"/>
+        </a:xfrm>
+      </p:grpSpPr>
+      <p:sp>
+        <p:nvSpPr>
+          <p:cNvPr id="2" name="Заголовок 1">
+            <a:extLst>
+              <a:ext uri="{FF2B5EF4-FFF2-40B4-BE49-F238E27FC236}">
+                <a16:creationId xmlns:a16="http://schemas.microsoft.com/office/drawing/2014/main" id="{00664D7C-7222-6C45-9567-66F75306E812}"/>
+              </a:ext>
+            </a:extLst>
+          </p:cNvPr>
+          <p:cNvSpPr>
+            <a:spLocks noGrp="1"/>
+          </p:cNvSpPr>
+          <p:nvPr>
+            <p:ph type="title"/>
+          </p:nvPr>
+        </p:nvSpPr>
+        <p:spPr/>
+        <p:txBody>
+          <a:bodyPr>
+            <a:normAutofit/>
+          </a:bodyPr>
+          <a:lstStyle/>
+          <a:p>
+            <a:r>
+              <a:rPr lang="en-US" dirty="0">
+                <a:latin typeface="+mn-lt"/>
+              </a:rPr>
+              <a:t>Automatic Speech Recognition (ASR) ↓ </a:t>
+            </a:r>
+            <a:r>
+              <a:rPr lang="ru-RU" dirty="0">
+                <a:latin typeface="+mn-lt"/>
+              </a:rPr>
+              <a:t>теряем пунктуацию</a:t>
+            </a:r>
+          </a:p>
+        </p:txBody>
+      </p:sp>
+      <p:pic>
+        <p:nvPicPr>
+          <p:cNvPr id="7" name="Объект 6">
+            <a:extLst>
+              <a:ext uri="{FF2B5EF4-FFF2-40B4-BE49-F238E27FC236}">
+                <a16:creationId xmlns:a16="http://schemas.microsoft.com/office/drawing/2014/main" id="{597AFAF6-1201-DD49-A57A-039DBD776A68}"/>
+              </a:ext>
+            </a:extLst>
+          </p:cNvPr>
+          <p:cNvPicPr>
+            <a:picLocks noGrp="1" noChangeAspect="1"/>
+          </p:cNvPicPr>
+          <p:nvPr>
+            <p:ph idx="1"/>
+          </p:nvPr>
+        </p:nvPicPr>
+        <p:blipFill>
+          <a:blip r:embed="rId2"/>
+          <a:stretch>
+            <a:fillRect/>
+          </a:stretch>
+        </p:blipFill>
+        <p:spPr>
+          <a:xfrm>
+            <a:off x="1995504" y="1825625"/>
+            <a:ext cx="8200992" cy="4351338"/>
+          </a:xfrm>
+          <a:prstGeom prst="rect">
+            <a:avLst/>
+          </a:prstGeom>
+        </p:spPr>
+      </p:pic>
+    </p:spTree>
+    <p:extLst>
+      <p:ext uri="{BB962C8B-B14F-4D97-AF65-F5344CB8AC3E}">
+        <p14:creationId xmlns:p14="http://schemas.microsoft.com/office/powerpoint/2010/main" val="3934934940"/>
+      </p:ext>
+    </p:extLst>
+  </p:cSld>
+  <p:clrMapOvr>
+    <a:masterClrMapping/>
+  </p:clrMapOvr>
+</p:sld>
+</file>
+
+<file path=ppt/slides/slide4.xml><?xml version="1.0" encoding="utf-8"?>
+<p:sld xmlns:a="http://schemas.openxmlformats.org/drawingml/2006/main" xmlns:r="http://schemas.openxmlformats.org/officeDocument/2006/relationships" xmlns:p="http://schemas.openxmlformats.org/presentationml/2006/main">
+  <p:cSld>
+    <p:spTree>
+      <p:nvGrpSpPr>
+        <p:cNvPr id="1" name=""/>
+        <p:cNvGrpSpPr/>
+        <p:nvPr/>
+      </p:nvGrpSpPr>
+      <p:grpSpPr>
+        <a:xfrm>
+          <a:off x="0" y="0"/>
+          <a:ext cx="0" cy="0"/>
+          <a:chOff x="0" y="0"/>
+          <a:chExt cx="0" cy="0"/>
+        </a:xfrm>
+      </p:grpSpPr>
+      <p:sp>
+        <p:nvSpPr>
+          <p:cNvPr id="2" name="Заголовок 1">
+            <a:extLst>
+              <a:ext uri="{FF2B5EF4-FFF2-40B4-BE49-F238E27FC236}">
+                <a16:creationId xmlns:a16="http://schemas.microsoft.com/office/drawing/2014/main" id="{44C87B5C-23D9-1F47-9AC8-FA274ABDBE45}"/>
+              </a:ext>
+            </a:extLst>
+          </p:cNvPr>
+          <p:cNvSpPr>
+            <a:spLocks noGrp="1"/>
+          </p:cNvSpPr>
+          <p:nvPr>
+            <p:ph type="title"/>
+          </p:nvPr>
+        </p:nvSpPr>
+        <p:spPr/>
+        <p:txBody>
+          <a:bodyPr/>
+          <a:lstStyle/>
+          <a:p>
+            <a:r>
+              <a:rPr lang="ru-RU" dirty="0">
+                <a:solidFill>
+                  <a:prstClr val="black"/>
+                </a:solidFill>
+                <a:latin typeface="Calibri" panose="020F0502020204030204"/>
+              </a:rPr>
+              <a:t>Решение</a:t>
+            </a:r>
+            <a:endParaRPr lang="ru-RU" dirty="0"/>
+          </a:p>
+        </p:txBody>
+      </p:sp>
+      <p:sp>
+        <p:nvSpPr>
+          <p:cNvPr id="3" name="Объект 2">
+            <a:extLst>
+              <a:ext uri="{FF2B5EF4-FFF2-40B4-BE49-F238E27FC236}">
+                <a16:creationId xmlns:a16="http://schemas.microsoft.com/office/drawing/2014/main" id="{900B3430-8289-114B-8A65-17BAA44A73C7}"/>
+              </a:ext>
+            </a:extLst>
+          </p:cNvPr>
+          <p:cNvSpPr>
+            <a:spLocks noGrp="1"/>
+          </p:cNvSpPr>
+          <p:nvPr>
+            <p:ph idx="1"/>
+          </p:nvPr>
+        </p:nvSpPr>
+        <p:spPr/>
+        <p:txBody>
+          <a:bodyPr/>
+          <a:lstStyle/>
+          <a:p>
+            <a:r>
+              <a:rPr lang="ru-RU">
+                <a:latin typeface="+mj-lt"/>
+              </a:rPr>
+              <a:t>Акустическая и языковая модели</a:t>
+            </a:r>
+            <a:endParaRPr lang="en-US" dirty="0">
+              <a:latin typeface="+mj-lt"/>
+            </a:endParaRPr>
+          </a:p>
+          <a:p>
+            <a:r>
+              <a:rPr lang="en-US" dirty="0">
+                <a:latin typeface="+mj-lt"/>
+              </a:rPr>
+              <a:t>Bidirectional Encoder Representations from Transformers (BERT)</a:t>
+            </a:r>
+            <a:endParaRPr lang="ru-RU" dirty="0">
+              <a:latin typeface="+mj-lt"/>
+            </a:endParaRPr>
+          </a:p>
+          <a:p>
+            <a:pPr marL="0" indent="0">
+              <a:buNone/>
+            </a:pPr>
+            <a:endParaRPr lang="ru-RU" dirty="0">
+              <a:latin typeface="+mj-lt"/>
+            </a:endParaRPr>
+          </a:p>
+        </p:txBody>
+      </p:sp>
+      <p:pic>
+        <p:nvPicPr>
+          <p:cNvPr id="1032" name="Picture 8">
+            <a:extLst>
+              <a:ext uri="{FF2B5EF4-FFF2-40B4-BE49-F238E27FC236}">
+                <a16:creationId xmlns:a16="http://schemas.microsoft.com/office/drawing/2014/main" id="{A2743CA6-679D-DC4F-9F5C-BEE06AC0C92C}"/>
+              </a:ext>
+            </a:extLst>
+          </p:cNvPr>
+          <p:cNvPicPr>
+            <a:picLocks noChangeAspect="1" noChangeArrowheads="1"/>
+          </p:cNvPicPr>
+          <p:nvPr/>
+        </p:nvPicPr>
+        <p:blipFill>
+          <a:blip r:embed="rId2">
+            <a:extLst>
+              <a:ext uri="{28A0092B-C50C-407E-A947-70E740481C1C}">
+                <a14:useLocalDpi xmlns:a14="http://schemas.microsoft.com/office/drawing/2010/main" val="0"/>
+              </a:ext>
+            </a:extLst>
+          </a:blip>
+          <a:srcRect/>
+          <a:stretch>
+            <a:fillRect/>
+          </a:stretch>
+        </p:blipFill>
+        <p:spPr bwMode="auto">
+          <a:xfrm>
+            <a:off x="7438693" y="2784132"/>
+            <a:ext cx="3915107" cy="3392831"/>
+          </a:xfrm>
+          <a:prstGeom prst="rect">
+            <a:avLst/>
+          </a:prstGeom>
+          <a:noFill/>
+          <a:extLst>
+            <a:ext uri="{909E8E84-426E-40DD-AFC4-6F175D3DCCD1}">
+              <a14:hiddenFill xmlns:a14="http://schemas.microsoft.com/office/drawing/2010/main">
+                <a:solidFill>
+                  <a:srgbClr val="FFFFFF"/>
+                </a:solidFill>
+              </a14:hiddenFill>
+            </a:ext>
+          </a:extLst>
+        </p:spPr>
+      </p:pic>
+      <p:pic>
+        <p:nvPicPr>
+          <p:cNvPr id="1034" name="Picture 10">
+            <a:extLst>
+              <a:ext uri="{FF2B5EF4-FFF2-40B4-BE49-F238E27FC236}">
+                <a16:creationId xmlns:a16="http://schemas.microsoft.com/office/drawing/2014/main" id="{5D2E3C5C-A5BE-A14A-97F5-4316245B8264}"/>
+              </a:ext>
+            </a:extLst>
+          </p:cNvPr>
+          <p:cNvPicPr>
+            <a:picLocks noChangeAspect="1" noChangeArrowheads="1"/>
+          </p:cNvPicPr>
+          <p:nvPr/>
+        </p:nvPicPr>
+        <p:blipFill>
+          <a:blip r:embed="rId3">
+            <a:extLst>
+              <a:ext uri="{28A0092B-C50C-407E-A947-70E740481C1C}">
+                <a14:useLocalDpi xmlns:a14="http://schemas.microsoft.com/office/drawing/2010/main" val="0"/>
+              </a:ext>
+            </a:extLst>
+          </a:blip>
+          <a:srcRect/>
+          <a:stretch>
+            <a:fillRect/>
+          </a:stretch>
+        </p:blipFill>
+        <p:spPr bwMode="auto">
+          <a:xfrm>
+            <a:off x="1374683" y="3729444"/>
+            <a:ext cx="5527528" cy="1916302"/>
+          </a:xfrm>
+          <a:prstGeom prst="rect">
+            <a:avLst/>
+          </a:prstGeom>
+          <a:noFill/>
+          <a:extLst>
+            <a:ext uri="{909E8E84-426E-40DD-AFC4-6F175D3DCCD1}">
+              <a14:hiddenFill xmlns:a14="http://schemas.microsoft.com/office/drawing/2010/main">
+                <a:solidFill>
+                  <a:srgbClr val="FFFFFF"/>
+                </a:solidFill>
+              </a14:hiddenFill>
+            </a:ext>
+          </a:extLst>
+        </p:spPr>
+      </p:pic>
+    </p:spTree>
+    <p:extLst>
+      <p:ext uri="{BB962C8B-B14F-4D97-AF65-F5344CB8AC3E}">
+        <p14:creationId xmlns:p14="http://schemas.microsoft.com/office/powerpoint/2010/main" val="771982037"/>
+      </p:ext>
+    </p:extLst>
+  </p:cSld>
+  <p:clrMapOvr>
+    <a:masterClrMapping/>
+  </p:clrMapOvr>
+</p:sld>
+</file>
+
+<file path=ppt/slides/slide5.xml><?xml version="1.0" encoding="utf-8"?>
+<p:sld xmlns:a="http://schemas.openxmlformats.org/drawingml/2006/main" xmlns:r="http://schemas.openxmlformats.org/officeDocument/2006/relationships" xmlns:p="http://schemas.openxmlformats.org/presentationml/2006/main">
+  <p:cSld>
+    <p:spTree>
+      <p:nvGrpSpPr>
+        <p:cNvPr id="1" name=""/>
+        <p:cNvGrpSpPr/>
+        <p:nvPr/>
+      </p:nvGrpSpPr>
+      <p:grpSpPr>
+        <a:xfrm>
+          <a:off x="0" y="0"/>
+          <a:ext cx="0" cy="0"/>
+          <a:chOff x="0" y="0"/>
+          <a:chExt cx="0" cy="0"/>
+        </a:xfrm>
+      </p:grpSpPr>
+      <p:sp>
+        <p:nvSpPr>
+          <p:cNvPr id="2" name="Заголовок 1">
+            <a:extLst>
+              <a:ext uri="{FF2B5EF4-FFF2-40B4-BE49-F238E27FC236}">
+                <a16:creationId xmlns:a16="http://schemas.microsoft.com/office/drawing/2014/main" id="{97B0F5E2-D472-384C-98BA-9A33B54422C2}"/>
+              </a:ext>
+            </a:extLst>
+          </p:cNvPr>
+          <p:cNvSpPr>
+            <a:spLocks noGrp="1"/>
+          </p:cNvSpPr>
+          <p:nvPr>
+            <p:ph type="title"/>
+          </p:nvPr>
+        </p:nvSpPr>
+        <p:spPr/>
+        <p:txBody>
+          <a:bodyPr/>
+          <a:lstStyle/>
+          <a:p>
+            <a:r>
+              <a:rPr lang="ru-RU" dirty="0">
+                <a:solidFill>
+                  <a:prstClr val="black"/>
+                </a:solidFill>
+                <a:latin typeface="Calibri" panose="020F0502020204030204"/>
+              </a:rPr>
+              <a:t>Аналоги</a:t>
+            </a:r>
+            <a:endParaRPr lang="ru-RU" dirty="0"/>
+          </a:p>
+        </p:txBody>
+      </p:sp>
+      <p:sp>
+        <p:nvSpPr>
+          <p:cNvPr id="3" name="Объект 2">
+            <a:extLst>
+              <a:ext uri="{FF2B5EF4-FFF2-40B4-BE49-F238E27FC236}">
+                <a16:creationId xmlns:a16="http://schemas.microsoft.com/office/drawing/2014/main" id="{09755CB2-B2CC-0A45-A5CC-0B20F805F3F1}"/>
+              </a:ext>
+            </a:extLst>
+          </p:cNvPr>
+          <p:cNvSpPr>
+            <a:spLocks noGrp="1"/>
+          </p:cNvSpPr>
+          <p:nvPr>
+            <p:ph sz="half" idx="1"/>
+          </p:nvPr>
+        </p:nvSpPr>
+        <p:spPr>
+          <a:xfrm>
+            <a:off x="838200" y="1825625"/>
+            <a:ext cx="4927600" cy="4351338"/>
+          </a:xfrm>
+        </p:spPr>
+        <p:txBody>
+          <a:bodyPr/>
+          <a:lstStyle/>
+          <a:p>
+            <a:r>
+              <a:rPr lang="en-US" dirty="0">
+                <a:latin typeface="+mj-lt"/>
+              </a:rPr>
+              <a:t>Google Speech-To-Text API</a:t>
+            </a:r>
+          </a:p>
+          <a:p>
+            <a:endParaRPr lang="en-US" dirty="0">
+              <a:latin typeface="+mj-lt"/>
+            </a:endParaRPr>
+          </a:p>
+          <a:p>
+            <a:endParaRPr lang="en-US" dirty="0">
+              <a:latin typeface="+mj-lt"/>
+            </a:endParaRPr>
+          </a:p>
+        </p:txBody>
+      </p:sp>
+      <p:sp>
+        <p:nvSpPr>
+          <p:cNvPr id="4" name="Объект 3">
+            <a:extLst>
+              <a:ext uri="{FF2B5EF4-FFF2-40B4-BE49-F238E27FC236}">
+                <a16:creationId xmlns:a16="http://schemas.microsoft.com/office/drawing/2014/main" id="{4EA4524F-5D4F-DE45-B099-679DBE52C936}"/>
+              </a:ext>
+            </a:extLst>
+          </p:cNvPr>
+          <p:cNvSpPr>
+            <a:spLocks noGrp="1"/>
+          </p:cNvSpPr>
+          <p:nvPr>
+            <p:ph sz="half" idx="2"/>
+          </p:nvPr>
+        </p:nvSpPr>
+        <p:spPr>
+          <a:xfrm>
+            <a:off x="5937251" y="1825625"/>
+            <a:ext cx="5416549" cy="4351338"/>
+          </a:xfrm>
+        </p:spPr>
+        <p:txBody>
+          <a:bodyPr/>
+          <a:lstStyle/>
+          <a:p>
+            <a:r>
+              <a:rPr lang="en-US" dirty="0" err="1">
+                <a:latin typeface="+mj-lt"/>
+              </a:rPr>
+              <a:t>NeMo</a:t>
+            </a:r>
+            <a:r>
+              <a:rPr lang="en-US" dirty="0">
+                <a:latin typeface="+mj-lt"/>
+              </a:rPr>
+              <a:t> </a:t>
+            </a:r>
+            <a:r>
+              <a:rPr lang="en-US" dirty="0" err="1">
+                <a:latin typeface="+mj-lt"/>
+              </a:rPr>
+              <a:t>PunctuationCapitalizationModel</a:t>
+            </a:r>
+            <a:endParaRPr lang="en-US" dirty="0">
+              <a:latin typeface="+mj-lt"/>
+            </a:endParaRPr>
+          </a:p>
+          <a:p>
+            <a:r>
+              <a:rPr lang="en-US" dirty="0">
+                <a:latin typeface="+mj-lt"/>
+              </a:rPr>
+              <a:t>Punctuator</a:t>
+            </a:r>
+          </a:p>
+          <a:p>
+            <a:endParaRPr lang="ru-RU" dirty="0">
+              <a:latin typeface="+mj-lt"/>
+            </a:endParaRPr>
+          </a:p>
+        </p:txBody>
+      </p:sp>
+      <p:pic>
+        <p:nvPicPr>
+          <p:cNvPr id="6" name="Рисунок 5">
+            <a:extLst>
+              <a:ext uri="{FF2B5EF4-FFF2-40B4-BE49-F238E27FC236}">
+                <a16:creationId xmlns:a16="http://schemas.microsoft.com/office/drawing/2014/main" id="{5249F7E8-431B-8A40-8B15-3D5D79BEE7ED}"/>
+              </a:ext>
+            </a:extLst>
+          </p:cNvPr>
+          <p:cNvPicPr>
+            <a:picLocks noChangeAspect="1"/>
+          </p:cNvPicPr>
+          <p:nvPr/>
+        </p:nvPicPr>
+        <p:blipFill rotWithShape="1">
+          <a:blip r:embed="rId2"/>
+          <a:srcRect r="27786"/>
+          <a:stretch/>
+        </p:blipFill>
+        <p:spPr>
+          <a:xfrm>
+            <a:off x="984654" y="2767365"/>
+            <a:ext cx="4634692" cy="2467857"/>
+          </a:xfrm>
+          <a:prstGeom prst="rect">
+            <a:avLst/>
+          </a:prstGeom>
+        </p:spPr>
+      </p:pic>
+      <p:pic>
+        <p:nvPicPr>
+          <p:cNvPr id="5" name="Рисунок 4">
+            <a:extLst>
+              <a:ext uri="{FF2B5EF4-FFF2-40B4-BE49-F238E27FC236}">
+                <a16:creationId xmlns:a16="http://schemas.microsoft.com/office/drawing/2014/main" id="{33A1B099-97C3-4D42-948C-DE26B7D6E852}"/>
+              </a:ext>
+            </a:extLst>
+          </p:cNvPr>
+          <p:cNvPicPr>
+            <a:picLocks noChangeAspect="1"/>
+          </p:cNvPicPr>
+          <p:nvPr/>
+        </p:nvPicPr>
+        <p:blipFill>
+          <a:blip r:embed="rId3"/>
+          <a:stretch>
+            <a:fillRect/>
+          </a:stretch>
+        </p:blipFill>
+        <p:spPr>
+          <a:xfrm>
+            <a:off x="6096000" y="3254433"/>
+            <a:ext cx="5698823" cy="2173778"/>
+          </a:xfrm>
+          <a:prstGeom prst="rect">
+            <a:avLst/>
+          </a:prstGeom>
+        </p:spPr>
+      </p:pic>
+    </p:spTree>
+    <p:extLst>
+      <p:ext uri="{BB962C8B-B14F-4D97-AF65-F5344CB8AC3E}">
+        <p14:creationId xmlns:p14="http://schemas.microsoft.com/office/powerpoint/2010/main" val="726373299"/>
+      </p:ext>
+    </p:extLst>
+  </p:cSld>
+  <p:clrMapOvr>
+    <a:masterClrMapping/>
+  </p:clrMapOvr>
+</p:sld>
+</file>
+
+<file path=ppt/slides/slide6.xml><?xml version="1.0" encoding="utf-8"?>
+<p:sld xmlns:a="http://schemas.openxmlformats.org/drawingml/2006/main" xmlns:r="http://schemas.openxmlformats.org/officeDocument/2006/relationships" xmlns:p="http://schemas.openxmlformats.org/presentationml/2006/main">
+  <p:cSld>
+    <p:spTree>
+      <p:nvGrpSpPr>
+        <p:cNvPr id="1" name=""/>
+        <p:cNvGrpSpPr/>
+        <p:nvPr/>
+      </p:nvGrpSpPr>
+      <p:grpSpPr>
+        <a:xfrm>
+          <a:off x="0" y="0"/>
+          <a:ext cx="0" cy="0"/>
+          <a:chOff x="0" y="0"/>
+          <a:chExt cx="0" cy="0"/>
+        </a:xfrm>
+      </p:grpSpPr>
+      <p:sp>
+        <p:nvSpPr>
+          <p:cNvPr id="5" name="Заголовок 4">
+            <a:extLst>
+              <a:ext uri="{FF2B5EF4-FFF2-40B4-BE49-F238E27FC236}">
+                <a16:creationId xmlns:a16="http://schemas.microsoft.com/office/drawing/2014/main" id="{6DA836A5-BBB0-CF4A-AF18-7E1CF476AC2F}"/>
+              </a:ext>
+            </a:extLst>
+          </p:cNvPr>
+          <p:cNvSpPr>
+            <a:spLocks noGrp="1"/>
+          </p:cNvSpPr>
+          <p:nvPr>
+            <p:ph type="title"/>
+          </p:nvPr>
+        </p:nvSpPr>
+        <p:spPr/>
+        <p:txBody>
+          <a:bodyPr/>
+          <a:lstStyle/>
+          <a:p>
+            <a:r>
+              <a:rPr lang="ru-RU" dirty="0">
+                <a:latin typeface="+mn-lt"/>
+              </a:rPr>
+              <a:t>ТЗ</a:t>
+            </a:r>
+          </a:p>
+        </p:txBody>
+      </p:sp>
+      <p:sp>
+        <p:nvSpPr>
+          <p:cNvPr id="6" name="Объект 5">
+            <a:extLst>
+              <a:ext uri="{FF2B5EF4-FFF2-40B4-BE49-F238E27FC236}">
+                <a16:creationId xmlns:a16="http://schemas.microsoft.com/office/drawing/2014/main" id="{B0ECB721-E40B-F240-80E8-84F6C612F3E5}"/>
+              </a:ext>
+            </a:extLst>
+          </p:cNvPr>
+          <p:cNvSpPr>
+            <a:spLocks noGrp="1"/>
+          </p:cNvSpPr>
+          <p:nvPr>
+            <p:ph idx="1"/>
+          </p:nvPr>
+        </p:nvSpPr>
+        <p:spPr/>
+        <p:txBody>
+          <a:bodyPr/>
+          <a:lstStyle/>
+          <a:p>
+            <a:r>
+              <a:rPr lang="ru-RU" dirty="0">
+                <a:latin typeface="+mj-lt"/>
+              </a:rPr>
+              <a:t>Разработать платформу для обучения нейронной сети</a:t>
+            </a:r>
+          </a:p>
+          <a:p>
+            <a:r>
+              <a:rPr lang="ru-RU" dirty="0">
+                <a:latin typeface="+mj-lt"/>
+              </a:rPr>
+              <a:t>Обучить нейронную сеть для восстановления знаков пунктуации и регистра в тексте</a:t>
+            </a:r>
+          </a:p>
+        </p:txBody>
+      </p:sp>
+    </p:spTree>
+    <p:extLst>
+      <p:ext uri="{BB962C8B-B14F-4D97-AF65-F5344CB8AC3E}">
+        <p14:creationId xmlns:p14="http://schemas.microsoft.com/office/powerpoint/2010/main" val="1961214591"/>
       </p:ext>
     </p:extLst>
   </p:cSld>
